--- a/213 - Come, O Thou King of Kings.pptx
+++ b/213 - Come, O Thou King of Kings.pptx
@@ -115,10 +115,6 @@
 </p:presentation>
 </file>
 
-<file path=ppt/revisionInfo.xml><?xml version="1.0" encoding="utf-8"?>
-<p1510:revInfo xmlns:a="http://schemas.openxmlformats.org/drawingml/2006/main" xmlns:r="http://schemas.openxmlformats.org/officeDocument/2006/relationships" xmlns:p1510="http://schemas.microsoft.com/office/powerpoint/2015/10/main"/>
-</file>
-
 <file path=ppt/slideLayouts/slideLayout1.xml><?xml version="1.0" encoding="utf-8"?>
 <p:sldLayout xmlns:a="http://schemas.openxmlformats.org/drawingml/2006/main" xmlns:r="http://schemas.openxmlformats.org/officeDocument/2006/relationships" xmlns:p="http://schemas.openxmlformats.org/presentationml/2006/main" type="title" preserve="1">
   <p:cSld name="Title Slide">
@@ -248,7 +244,7 @@
           <a:p>
             <a:fld id="{32F7251A-AE54-443C-B8FE-5F636E835EBF}" type="datetimeFigureOut">
               <a:rPr lang="en-US" smtClean="0"/>
-              <a:t>8/19/2017</a:t>
+              <a:t>8/12/2018</a:t>
             </a:fld>
             <a:endParaRPr lang="en-US"/>
           </a:p>
@@ -416,7 +412,7 @@
           <a:p>
             <a:fld id="{32F7251A-AE54-443C-B8FE-5F636E835EBF}" type="datetimeFigureOut">
               <a:rPr lang="en-US" smtClean="0"/>
-              <a:t>8/19/2017</a:t>
+              <a:t>8/12/2018</a:t>
             </a:fld>
             <a:endParaRPr lang="en-US"/>
           </a:p>
@@ -594,7 +590,7 @@
           <a:p>
             <a:fld id="{32F7251A-AE54-443C-B8FE-5F636E835EBF}" type="datetimeFigureOut">
               <a:rPr lang="en-US" smtClean="0"/>
-              <a:t>8/19/2017</a:t>
+              <a:t>8/12/2018</a:t>
             </a:fld>
             <a:endParaRPr lang="en-US"/>
           </a:p>
@@ -762,7 +758,7 @@
           <a:p>
             <a:fld id="{32F7251A-AE54-443C-B8FE-5F636E835EBF}" type="datetimeFigureOut">
               <a:rPr lang="en-US" smtClean="0"/>
-              <a:t>8/19/2017</a:t>
+              <a:t>8/12/2018</a:t>
             </a:fld>
             <a:endParaRPr lang="en-US"/>
           </a:p>
@@ -1007,7 +1003,7 @@
           <a:p>
             <a:fld id="{32F7251A-AE54-443C-B8FE-5F636E835EBF}" type="datetimeFigureOut">
               <a:rPr lang="en-US" smtClean="0"/>
-              <a:t>8/19/2017</a:t>
+              <a:t>8/12/2018</a:t>
             </a:fld>
             <a:endParaRPr lang="en-US"/>
           </a:p>
@@ -1236,7 +1232,7 @@
           <a:p>
             <a:fld id="{32F7251A-AE54-443C-B8FE-5F636E835EBF}" type="datetimeFigureOut">
               <a:rPr lang="en-US" smtClean="0"/>
-              <a:t>8/19/2017</a:t>
+              <a:t>8/12/2018</a:t>
             </a:fld>
             <a:endParaRPr lang="en-US"/>
           </a:p>
@@ -1600,7 +1596,7 @@
           <a:p>
             <a:fld id="{32F7251A-AE54-443C-B8FE-5F636E835EBF}" type="datetimeFigureOut">
               <a:rPr lang="en-US" smtClean="0"/>
-              <a:t>8/19/2017</a:t>
+              <a:t>8/12/2018</a:t>
             </a:fld>
             <a:endParaRPr lang="en-US"/>
           </a:p>
@@ -1717,7 +1713,7 @@
           <a:p>
             <a:fld id="{32F7251A-AE54-443C-B8FE-5F636E835EBF}" type="datetimeFigureOut">
               <a:rPr lang="en-US" smtClean="0"/>
-              <a:t>8/19/2017</a:t>
+              <a:t>8/12/2018</a:t>
             </a:fld>
             <a:endParaRPr lang="en-US"/>
           </a:p>
@@ -1812,7 +1808,7 @@
           <a:p>
             <a:fld id="{32F7251A-AE54-443C-B8FE-5F636E835EBF}" type="datetimeFigureOut">
               <a:rPr lang="en-US" smtClean="0"/>
-              <a:t>8/19/2017</a:t>
+              <a:t>8/12/2018</a:t>
             </a:fld>
             <a:endParaRPr lang="en-US"/>
           </a:p>
@@ -2087,7 +2083,7 @@
           <a:p>
             <a:fld id="{32F7251A-AE54-443C-B8FE-5F636E835EBF}" type="datetimeFigureOut">
               <a:rPr lang="en-US" smtClean="0"/>
-              <a:t>8/19/2017</a:t>
+              <a:t>8/12/2018</a:t>
             </a:fld>
             <a:endParaRPr lang="en-US"/>
           </a:p>
@@ -2339,7 +2335,7 @@
           <a:p>
             <a:fld id="{32F7251A-AE54-443C-B8FE-5F636E835EBF}" type="datetimeFigureOut">
               <a:rPr lang="en-US" smtClean="0"/>
-              <a:t>8/19/2017</a:t>
+              <a:t>8/12/2018</a:t>
             </a:fld>
             <a:endParaRPr lang="en-US"/>
           </a:p>
@@ -2553,7 +2549,7 @@
           <a:p>
             <a:fld id="{32F7251A-AE54-443C-B8FE-5F636E835EBF}" type="datetimeFigureOut">
               <a:rPr lang="en-US" smtClean="0"/>
-              <a:t>8/19/2017</a:t>
+              <a:t>8/12/2018</a:t>
             </a:fld>
             <a:endParaRPr lang="en-US"/>
           </a:p>

--- a/213 - Come, O Thou King of Kings.pptx
+++ b/213 - Come, O Thou King of Kings.pptx
@@ -244,7 +244,7 @@
           <a:p>
             <a:fld id="{32F7251A-AE54-443C-B8FE-5F636E835EBF}" type="datetimeFigureOut">
               <a:rPr lang="en-US" smtClean="0"/>
-              <a:t>8/12/2018</a:t>
+              <a:t>9/16/2018</a:t>
             </a:fld>
             <a:endParaRPr lang="en-US"/>
           </a:p>
@@ -412,7 +412,7 @@
           <a:p>
             <a:fld id="{32F7251A-AE54-443C-B8FE-5F636E835EBF}" type="datetimeFigureOut">
               <a:rPr lang="en-US" smtClean="0"/>
-              <a:t>8/12/2018</a:t>
+              <a:t>9/16/2018</a:t>
             </a:fld>
             <a:endParaRPr lang="en-US"/>
           </a:p>
@@ -590,7 +590,7 @@
           <a:p>
             <a:fld id="{32F7251A-AE54-443C-B8FE-5F636E835EBF}" type="datetimeFigureOut">
               <a:rPr lang="en-US" smtClean="0"/>
-              <a:t>8/12/2018</a:t>
+              <a:t>9/16/2018</a:t>
             </a:fld>
             <a:endParaRPr lang="en-US"/>
           </a:p>
@@ -758,7 +758,7 @@
           <a:p>
             <a:fld id="{32F7251A-AE54-443C-B8FE-5F636E835EBF}" type="datetimeFigureOut">
               <a:rPr lang="en-US" smtClean="0"/>
-              <a:t>8/12/2018</a:t>
+              <a:t>9/16/2018</a:t>
             </a:fld>
             <a:endParaRPr lang="en-US"/>
           </a:p>
@@ -1003,7 +1003,7 @@
           <a:p>
             <a:fld id="{32F7251A-AE54-443C-B8FE-5F636E835EBF}" type="datetimeFigureOut">
               <a:rPr lang="en-US" smtClean="0"/>
-              <a:t>8/12/2018</a:t>
+              <a:t>9/16/2018</a:t>
             </a:fld>
             <a:endParaRPr lang="en-US"/>
           </a:p>
@@ -1232,7 +1232,7 @@
           <a:p>
             <a:fld id="{32F7251A-AE54-443C-B8FE-5F636E835EBF}" type="datetimeFigureOut">
               <a:rPr lang="en-US" smtClean="0"/>
-              <a:t>8/12/2018</a:t>
+              <a:t>9/16/2018</a:t>
             </a:fld>
             <a:endParaRPr lang="en-US"/>
           </a:p>
@@ -1596,7 +1596,7 @@
           <a:p>
             <a:fld id="{32F7251A-AE54-443C-B8FE-5F636E835EBF}" type="datetimeFigureOut">
               <a:rPr lang="en-US" smtClean="0"/>
-              <a:t>8/12/2018</a:t>
+              <a:t>9/16/2018</a:t>
             </a:fld>
             <a:endParaRPr lang="en-US"/>
           </a:p>
@@ -1713,7 +1713,7 @@
           <a:p>
             <a:fld id="{32F7251A-AE54-443C-B8FE-5F636E835EBF}" type="datetimeFigureOut">
               <a:rPr lang="en-US" smtClean="0"/>
-              <a:t>8/12/2018</a:t>
+              <a:t>9/16/2018</a:t>
             </a:fld>
             <a:endParaRPr lang="en-US"/>
           </a:p>
@@ -1808,7 +1808,7 @@
           <a:p>
             <a:fld id="{32F7251A-AE54-443C-B8FE-5F636E835EBF}" type="datetimeFigureOut">
               <a:rPr lang="en-US" smtClean="0"/>
-              <a:t>8/12/2018</a:t>
+              <a:t>9/16/2018</a:t>
             </a:fld>
             <a:endParaRPr lang="en-US"/>
           </a:p>
@@ -2083,7 +2083,7 @@
           <a:p>
             <a:fld id="{32F7251A-AE54-443C-B8FE-5F636E835EBF}" type="datetimeFigureOut">
               <a:rPr lang="en-US" smtClean="0"/>
-              <a:t>8/12/2018</a:t>
+              <a:t>9/16/2018</a:t>
             </a:fld>
             <a:endParaRPr lang="en-US"/>
           </a:p>
@@ -2335,7 +2335,7 @@
           <a:p>
             <a:fld id="{32F7251A-AE54-443C-B8FE-5F636E835EBF}" type="datetimeFigureOut">
               <a:rPr lang="en-US" smtClean="0"/>
-              <a:t>8/12/2018</a:t>
+              <a:t>9/16/2018</a:t>
             </a:fld>
             <a:endParaRPr lang="en-US"/>
           </a:p>
@@ -2549,7 +2549,7 @@
           <a:p>
             <a:fld id="{32F7251A-AE54-443C-B8FE-5F636E835EBF}" type="datetimeFigureOut">
               <a:rPr lang="en-US" smtClean="0"/>
-              <a:t>8/12/2018</a:t>
+              <a:t>9/16/2018</a:t>
             </a:fld>
             <a:endParaRPr lang="en-US"/>
           </a:p>

--- a/213 - Come, O Thou King of Kings.pptx
+++ b/213 - Come, O Thou King of Kings.pptx
@@ -244,7 +244,7 @@
           <a:p>
             <a:fld id="{32F7251A-AE54-443C-B8FE-5F636E835EBF}" type="datetimeFigureOut">
               <a:rPr lang="en-US" smtClean="0"/>
-              <a:t>9/16/2018</a:t>
+              <a:t>11/17/2019</a:t>
             </a:fld>
             <a:endParaRPr lang="en-US"/>
           </a:p>
@@ -412,7 +412,7 @@
           <a:p>
             <a:fld id="{32F7251A-AE54-443C-B8FE-5F636E835EBF}" type="datetimeFigureOut">
               <a:rPr lang="en-US" smtClean="0"/>
-              <a:t>9/16/2018</a:t>
+              <a:t>11/17/2019</a:t>
             </a:fld>
             <a:endParaRPr lang="en-US"/>
           </a:p>
@@ -590,7 +590,7 @@
           <a:p>
             <a:fld id="{32F7251A-AE54-443C-B8FE-5F636E835EBF}" type="datetimeFigureOut">
               <a:rPr lang="en-US" smtClean="0"/>
-              <a:t>9/16/2018</a:t>
+              <a:t>11/17/2019</a:t>
             </a:fld>
             <a:endParaRPr lang="en-US"/>
           </a:p>
@@ -758,7 +758,7 @@
           <a:p>
             <a:fld id="{32F7251A-AE54-443C-B8FE-5F636E835EBF}" type="datetimeFigureOut">
               <a:rPr lang="en-US" smtClean="0"/>
-              <a:t>9/16/2018</a:t>
+              <a:t>11/17/2019</a:t>
             </a:fld>
             <a:endParaRPr lang="en-US"/>
           </a:p>
@@ -1003,7 +1003,7 @@
           <a:p>
             <a:fld id="{32F7251A-AE54-443C-B8FE-5F636E835EBF}" type="datetimeFigureOut">
               <a:rPr lang="en-US" smtClean="0"/>
-              <a:t>9/16/2018</a:t>
+              <a:t>11/17/2019</a:t>
             </a:fld>
             <a:endParaRPr lang="en-US"/>
           </a:p>
@@ -1232,7 +1232,7 @@
           <a:p>
             <a:fld id="{32F7251A-AE54-443C-B8FE-5F636E835EBF}" type="datetimeFigureOut">
               <a:rPr lang="en-US" smtClean="0"/>
-              <a:t>9/16/2018</a:t>
+              <a:t>11/17/2019</a:t>
             </a:fld>
             <a:endParaRPr lang="en-US"/>
           </a:p>
@@ -1596,7 +1596,7 @@
           <a:p>
             <a:fld id="{32F7251A-AE54-443C-B8FE-5F636E835EBF}" type="datetimeFigureOut">
               <a:rPr lang="en-US" smtClean="0"/>
-              <a:t>9/16/2018</a:t>
+              <a:t>11/17/2019</a:t>
             </a:fld>
             <a:endParaRPr lang="en-US"/>
           </a:p>
@@ -1713,7 +1713,7 @@
           <a:p>
             <a:fld id="{32F7251A-AE54-443C-B8FE-5F636E835EBF}" type="datetimeFigureOut">
               <a:rPr lang="en-US" smtClean="0"/>
-              <a:t>9/16/2018</a:t>
+              <a:t>11/17/2019</a:t>
             </a:fld>
             <a:endParaRPr lang="en-US"/>
           </a:p>
@@ -1808,7 +1808,7 @@
           <a:p>
             <a:fld id="{32F7251A-AE54-443C-B8FE-5F636E835EBF}" type="datetimeFigureOut">
               <a:rPr lang="en-US" smtClean="0"/>
-              <a:t>9/16/2018</a:t>
+              <a:t>11/17/2019</a:t>
             </a:fld>
             <a:endParaRPr lang="en-US"/>
           </a:p>
@@ -2083,7 +2083,7 @@
           <a:p>
             <a:fld id="{32F7251A-AE54-443C-B8FE-5F636E835EBF}" type="datetimeFigureOut">
               <a:rPr lang="en-US" smtClean="0"/>
-              <a:t>9/16/2018</a:t>
+              <a:t>11/17/2019</a:t>
             </a:fld>
             <a:endParaRPr lang="en-US"/>
           </a:p>
@@ -2335,7 +2335,7 @@
           <a:p>
             <a:fld id="{32F7251A-AE54-443C-B8FE-5F636E835EBF}" type="datetimeFigureOut">
               <a:rPr lang="en-US" smtClean="0"/>
-              <a:t>9/16/2018</a:t>
+              <a:t>11/17/2019</a:t>
             </a:fld>
             <a:endParaRPr lang="en-US"/>
           </a:p>
@@ -2402,7 +2402,9 @@
     <p:bg>
       <p:bgPr>
         <a:solidFill>
-          <a:srgbClr val="333333"/>
+          <a:schemeClr val="bg1">
+            <a:lumMod val="10000"/>
+          </a:schemeClr>
         </a:solidFill>
         <a:effectLst/>
       </p:bgPr>
@@ -2549,7 +2551,7 @@
           <a:p>
             <a:fld id="{32F7251A-AE54-443C-B8FE-5F636E835EBF}" type="datetimeFigureOut">
               <a:rPr lang="en-US" smtClean="0"/>
-              <a:t>9/16/2018</a:t>
+              <a:t>11/17/2019</a:t>
             </a:fld>
             <a:endParaRPr lang="en-US"/>
           </a:p>
@@ -3031,15 +3033,23 @@
           <a:bodyPr wrap="square" rtlCol="0" anchor="ctr">
             <a:spAutoFit/>
           </a:bodyPr>
-          <a:lstStyle/>
-          <a:p>
-            <a:pPr algn="ctr"/>
-            <a:r>
-              <a:rPr lang="en-US" sz="4800" dirty="0">
+          <a:lstStyle>
+            <a:defPPr>
+              <a:defRPr lang="en-US"/>
+            </a:defPPr>
+            <a:lvl1pPr algn="ctr">
+              <a:defRPr sz="3200" u="sng">
                 <a:solidFill>
                   <a:schemeClr val="bg1"/>
                 </a:solidFill>
-              </a:rPr>
+                <a:latin typeface="Assistant SemiBold" panose="00000700000000000000" pitchFamily="2" charset="-79"/>
+                <a:cs typeface="Assistant SemiBold" panose="00000700000000000000" pitchFamily="2" charset="-79"/>
+              </a:defRPr>
+            </a:lvl1pPr>
+          </a:lstStyle>
+          <a:p>
+            <a:r>
+              <a:rPr lang="en-US" dirty="0"/>
               <a:t>“Come, O Thou King of Kings!”</a:t>
             </a:r>
           </a:p>
@@ -3053,8 +3063,8 @@
         </p:nvSpPr>
         <p:spPr>
           <a:xfrm>
-            <a:off x="0" y="483150"/>
-            <a:ext cx="12192000" cy="4524315"/>
+            <a:off x="0" y="1001310"/>
+            <a:ext cx="12192000" cy="3539430"/>
           </a:xfrm>
           <a:prstGeom prst="rect">
             <a:avLst/>
@@ -3065,89 +3075,62 @@
           <a:bodyPr wrap="square" rtlCol="0">
             <a:spAutoFit/>
           </a:bodyPr>
-          <a:lstStyle/>
-          <a:p>
-            <a:pPr algn="ctr"/>
-            <a:r>
-              <a:rPr lang="en-US" sz="3600" dirty="0">
+          <a:lstStyle>
+            <a:defPPr>
+              <a:defRPr lang="en-US"/>
+            </a:defPPr>
+            <a:lvl1pPr algn="ctr">
+              <a:defRPr sz="2800" spc="50">
                 <a:solidFill>
                   <a:schemeClr val="bg1"/>
                 </a:solidFill>
-              </a:rPr>
+                <a:latin typeface="Assistant" panose="00000500000000000000" pitchFamily="2" charset="-79"/>
+                <a:cs typeface="Assistant" panose="00000500000000000000" pitchFamily="2" charset="-79"/>
+              </a:defRPr>
+            </a:lvl1pPr>
+          </a:lstStyle>
+          <a:p>
+            <a:r>
+              <a:rPr lang="en-US" dirty="0"/>
               <a:t>Come, O Thou King of Kings!</a:t>
             </a:r>
           </a:p>
           <a:p>
-            <a:pPr algn="ctr"/>
-            <a:r>
-              <a:rPr lang="en-US" sz="3600" dirty="0">
-                <a:solidFill>
-                  <a:schemeClr val="bg1"/>
-                </a:solidFill>
-              </a:rPr>
+            <a:r>
+              <a:rPr lang="en-US" dirty="0"/>
               <a:t>We’ve waited long for Thee,</a:t>
             </a:r>
           </a:p>
           <a:p>
-            <a:pPr algn="ctr"/>
-            <a:r>
-              <a:rPr lang="en-US" sz="3600" dirty="0">
-                <a:solidFill>
-                  <a:schemeClr val="bg1"/>
-                </a:solidFill>
-              </a:rPr>
+            <a:r>
+              <a:rPr lang="en-US" dirty="0"/>
               <a:t>With healing in Thy wings,</a:t>
             </a:r>
           </a:p>
           <a:p>
-            <a:pPr algn="ctr"/>
-            <a:r>
-              <a:rPr lang="en-US" sz="3600" dirty="0">
-                <a:solidFill>
-                  <a:schemeClr val="bg1"/>
-                </a:solidFill>
-              </a:rPr>
+            <a:r>
+              <a:rPr lang="en-US" dirty="0"/>
               <a:t>To set Thy people free.</a:t>
             </a:r>
           </a:p>
           <a:p>
-            <a:pPr algn="ctr"/>
-            <a:endParaRPr lang="en-US" sz="3600" dirty="0">
-              <a:solidFill>
-                <a:schemeClr val="bg1"/>
-              </a:solidFill>
-            </a:endParaRPr>
-          </a:p>
-          <a:p>
-            <a:pPr algn="ctr"/>
-            <a:r>
-              <a:rPr lang="en-US" sz="3600" dirty="0">
-                <a:solidFill>
-                  <a:schemeClr val="bg1"/>
-                </a:solidFill>
-              </a:rPr>
+            <a:endParaRPr lang="en-US" dirty="0"/>
+          </a:p>
+          <a:p>
+            <a:r>
+              <a:rPr lang="en-US" dirty="0"/>
               <a:t>Come, Thou desire of nations, come;</a:t>
             </a:r>
           </a:p>
           <a:p>
-            <a:pPr algn="ctr"/>
-            <a:r>
-              <a:rPr lang="en-US" sz="3600" dirty="0">
-                <a:solidFill>
-                  <a:schemeClr val="bg1"/>
-                </a:solidFill>
-              </a:rPr>
+            <a:r>
+              <a:rPr lang="en-US" dirty="0"/>
               <a:t>Come, Thou desire of nations, come;</a:t>
             </a:r>
           </a:p>
           <a:p>
-            <a:pPr algn="ctr"/>
-            <a:r>
-              <a:rPr lang="en-US" sz="3600" dirty="0">
-                <a:solidFill>
-                  <a:schemeClr val="bg1"/>
-                </a:solidFill>
-              </a:rPr>
+            <a:r>
+              <a:rPr lang="en-US" dirty="0"/>
               <a:t>Let Israel now be gathered home.</a:t>
             </a:r>
           </a:p>
@@ -3260,15 +3243,23 @@
           <a:bodyPr wrap="square" rtlCol="0" anchor="ctr">
             <a:spAutoFit/>
           </a:bodyPr>
-          <a:lstStyle/>
-          <a:p>
-            <a:pPr algn="ctr"/>
-            <a:r>
-              <a:rPr lang="en-US" sz="4800" dirty="0">
+          <a:lstStyle>
+            <a:defPPr>
+              <a:defRPr lang="en-US"/>
+            </a:defPPr>
+            <a:lvl1pPr algn="ctr">
+              <a:defRPr sz="3200" u="sng">
                 <a:solidFill>
                   <a:schemeClr val="bg1"/>
                 </a:solidFill>
-              </a:rPr>
+                <a:latin typeface="Assistant SemiBold" panose="00000700000000000000" pitchFamily="2" charset="-79"/>
+                <a:cs typeface="Assistant SemiBold" panose="00000700000000000000" pitchFamily="2" charset="-79"/>
+              </a:defRPr>
+            </a:lvl1pPr>
+          </a:lstStyle>
+          <a:p>
+            <a:r>
+              <a:rPr lang="en-US" dirty="0"/>
               <a:t>“Come, O Thou King of Kings!”</a:t>
             </a:r>
           </a:p>
@@ -3282,8 +3273,8 @@
         </p:nvSpPr>
         <p:spPr>
           <a:xfrm>
-            <a:off x="0" y="483150"/>
-            <a:ext cx="12192000" cy="4524315"/>
+            <a:off x="0" y="1001310"/>
+            <a:ext cx="12192000" cy="3539430"/>
           </a:xfrm>
           <a:prstGeom prst="rect">
             <a:avLst/>
@@ -3294,89 +3285,62 @@
           <a:bodyPr wrap="square" rtlCol="0">
             <a:spAutoFit/>
           </a:bodyPr>
-          <a:lstStyle/>
-          <a:p>
-            <a:pPr algn="ctr"/>
-            <a:r>
-              <a:rPr lang="en-US" sz="3600" dirty="0">
+          <a:lstStyle>
+            <a:defPPr>
+              <a:defRPr lang="en-US"/>
+            </a:defPPr>
+            <a:lvl1pPr algn="ctr">
+              <a:defRPr sz="2800" spc="50">
                 <a:solidFill>
                   <a:schemeClr val="bg1"/>
                 </a:solidFill>
-              </a:rPr>
+                <a:latin typeface="Assistant" panose="00000500000000000000" pitchFamily="2" charset="-79"/>
+                <a:cs typeface="Assistant" panose="00000500000000000000" pitchFamily="2" charset="-79"/>
+              </a:defRPr>
+            </a:lvl1pPr>
+          </a:lstStyle>
+          <a:p>
+            <a:r>
+              <a:rPr lang="en-US" dirty="0"/>
               <a:t>Come make an end of sin,</a:t>
             </a:r>
           </a:p>
           <a:p>
-            <a:pPr algn="ctr"/>
-            <a:r>
-              <a:rPr lang="en-US" sz="3600" dirty="0">
-                <a:solidFill>
-                  <a:schemeClr val="bg1"/>
-                </a:solidFill>
-              </a:rPr>
+            <a:r>
+              <a:rPr lang="en-US" dirty="0"/>
               <a:t>And cleanse the Earth by fire;</a:t>
             </a:r>
           </a:p>
           <a:p>
-            <a:pPr algn="ctr"/>
-            <a:r>
-              <a:rPr lang="en-US" sz="3600" dirty="0">
-                <a:solidFill>
-                  <a:schemeClr val="bg1"/>
-                </a:solidFill>
-              </a:rPr>
+            <a:r>
+              <a:rPr lang="en-US" dirty="0"/>
               <a:t>And righteousness bring in</a:t>
             </a:r>
           </a:p>
           <a:p>
-            <a:pPr algn="ctr"/>
-            <a:r>
-              <a:rPr lang="en-US" sz="3600" dirty="0">
-                <a:solidFill>
-                  <a:schemeClr val="bg1"/>
-                </a:solidFill>
-              </a:rPr>
+            <a:r>
+              <a:rPr lang="en-US" dirty="0"/>
               <a:t>That saints may tune the lyre</a:t>
             </a:r>
           </a:p>
           <a:p>
-            <a:pPr algn="ctr"/>
-            <a:endParaRPr lang="en-US" sz="3600" dirty="0">
-              <a:solidFill>
-                <a:schemeClr val="bg1"/>
-              </a:solidFill>
-            </a:endParaRPr>
-          </a:p>
-          <a:p>
-            <a:pPr algn="ctr"/>
-            <a:r>
-              <a:rPr lang="en-US" sz="3600" dirty="0">
-                <a:solidFill>
-                  <a:schemeClr val="bg1"/>
-                </a:solidFill>
-              </a:rPr>
+            <a:endParaRPr lang="en-US" dirty="0"/>
+          </a:p>
+          <a:p>
+            <a:r>
+              <a:rPr lang="en-US" dirty="0"/>
               <a:t>With songs of joy—a happier strain,</a:t>
             </a:r>
           </a:p>
           <a:p>
-            <a:pPr algn="ctr"/>
-            <a:r>
-              <a:rPr lang="en-US" sz="3600" dirty="0">
-                <a:solidFill>
-                  <a:schemeClr val="bg1"/>
-                </a:solidFill>
-              </a:rPr>
+            <a:r>
+              <a:rPr lang="en-US" dirty="0"/>
               <a:t>With songs of joy—a happier strain,</a:t>
             </a:r>
           </a:p>
           <a:p>
-            <a:pPr algn="ctr"/>
-            <a:r>
-              <a:rPr lang="en-US" sz="3600" dirty="0">
-                <a:solidFill>
-                  <a:schemeClr val="bg1"/>
-                </a:solidFill>
-              </a:rPr>
+            <a:r>
+              <a:rPr lang="en-US" dirty="0"/>
               <a:t>To welcome in Thy peaceful reign.</a:t>
             </a:r>
           </a:p>
@@ -3489,15 +3453,23 @@
           <a:bodyPr wrap="square" rtlCol="0" anchor="ctr">
             <a:spAutoFit/>
           </a:bodyPr>
-          <a:lstStyle/>
-          <a:p>
-            <a:pPr algn="ctr"/>
-            <a:r>
-              <a:rPr lang="en-US" sz="4800" dirty="0">
+          <a:lstStyle>
+            <a:defPPr>
+              <a:defRPr lang="en-US"/>
+            </a:defPPr>
+            <a:lvl1pPr algn="ctr">
+              <a:defRPr sz="3200" u="sng">
                 <a:solidFill>
                   <a:schemeClr val="bg1"/>
                 </a:solidFill>
-              </a:rPr>
+                <a:latin typeface="Assistant SemiBold" panose="00000700000000000000" pitchFamily="2" charset="-79"/>
+                <a:cs typeface="Assistant SemiBold" panose="00000700000000000000" pitchFamily="2" charset="-79"/>
+              </a:defRPr>
+            </a:lvl1pPr>
+          </a:lstStyle>
+          <a:p>
+            <a:r>
+              <a:rPr lang="en-US" dirty="0"/>
               <a:t>“Come, O Thou King of Kings!”</a:t>
             </a:r>
           </a:p>
@@ -3511,8 +3483,8 @@
         </p:nvSpPr>
         <p:spPr>
           <a:xfrm>
-            <a:off x="0" y="483150"/>
-            <a:ext cx="12192000" cy="4524315"/>
+            <a:off x="0" y="833670"/>
+            <a:ext cx="12192000" cy="3539430"/>
           </a:xfrm>
           <a:prstGeom prst="rect">
             <a:avLst/>
@@ -3523,89 +3495,62 @@
           <a:bodyPr wrap="square" rtlCol="0">
             <a:spAutoFit/>
           </a:bodyPr>
-          <a:lstStyle/>
-          <a:p>
-            <a:pPr algn="ctr"/>
-            <a:r>
-              <a:rPr lang="en-US" sz="3600" dirty="0">
+          <a:lstStyle>
+            <a:defPPr>
+              <a:defRPr lang="en-US"/>
+            </a:defPPr>
+            <a:lvl1pPr algn="ctr">
+              <a:defRPr sz="2800" spc="50">
                 <a:solidFill>
                   <a:schemeClr val="bg1"/>
                 </a:solidFill>
-              </a:rPr>
+                <a:latin typeface="Assistant" panose="00000500000000000000" pitchFamily="2" charset="-79"/>
+                <a:cs typeface="Assistant" panose="00000500000000000000" pitchFamily="2" charset="-79"/>
+              </a:defRPr>
+            </a:lvl1pPr>
+          </a:lstStyle>
+          <a:p>
+            <a:r>
+              <a:rPr lang="en-US" dirty="0"/>
               <a:t>Hosannas now shall sound</a:t>
             </a:r>
           </a:p>
           <a:p>
-            <a:pPr algn="ctr"/>
-            <a:r>
-              <a:rPr lang="en-US" sz="3600" dirty="0">
-                <a:solidFill>
-                  <a:schemeClr val="bg1"/>
-                </a:solidFill>
-              </a:rPr>
+            <a:r>
+              <a:rPr lang="en-US" dirty="0"/>
               <a:t>From all the ransomed throng,</a:t>
             </a:r>
           </a:p>
           <a:p>
-            <a:pPr algn="ctr"/>
-            <a:r>
-              <a:rPr lang="en-US" sz="3600" dirty="0">
-                <a:solidFill>
-                  <a:schemeClr val="bg1"/>
-                </a:solidFill>
-              </a:rPr>
+            <a:r>
+              <a:rPr lang="en-US" dirty="0"/>
               <a:t>And glory echo round</a:t>
             </a:r>
           </a:p>
           <a:p>
-            <a:pPr algn="ctr"/>
-            <a:r>
-              <a:rPr lang="en-US" sz="3600" dirty="0">
-                <a:solidFill>
-                  <a:schemeClr val="bg1"/>
-                </a:solidFill>
-              </a:rPr>
+            <a:r>
+              <a:rPr lang="en-US" dirty="0"/>
               <a:t>A new triumphal song,</a:t>
             </a:r>
           </a:p>
           <a:p>
-            <a:pPr algn="ctr"/>
-            <a:endParaRPr lang="en-US" sz="3600" dirty="0">
-              <a:solidFill>
-                <a:schemeClr val="bg1"/>
-              </a:solidFill>
-            </a:endParaRPr>
-          </a:p>
-          <a:p>
-            <a:pPr algn="ctr"/>
-            <a:r>
-              <a:rPr lang="en-US" sz="3600" dirty="0">
-                <a:solidFill>
-                  <a:schemeClr val="bg1"/>
-                </a:solidFill>
-              </a:rPr>
+            <a:endParaRPr lang="en-US" dirty="0"/>
+          </a:p>
+          <a:p>
+            <a:r>
+              <a:rPr lang="en-US" dirty="0"/>
               <a:t>The wide expanse of Heaven fill,</a:t>
             </a:r>
           </a:p>
           <a:p>
-            <a:pPr algn="ctr"/>
-            <a:r>
-              <a:rPr lang="en-US" sz="3600" dirty="0">
-                <a:solidFill>
-                  <a:schemeClr val="bg1"/>
-                </a:solidFill>
-              </a:rPr>
+            <a:r>
+              <a:rPr lang="en-US" dirty="0"/>
               <a:t>The wide expanse of Heaven fill,</a:t>
             </a:r>
           </a:p>
           <a:p>
-            <a:pPr algn="ctr"/>
-            <a:r>
-              <a:rPr lang="en-US" sz="3600" dirty="0">
-                <a:solidFill>
-                  <a:schemeClr val="bg1"/>
-                </a:solidFill>
-              </a:rPr>
+            <a:r>
+              <a:rPr lang="en-US" dirty="0"/>
               <a:t>With anthems sweet from Zion’s hill.</a:t>
             </a:r>
           </a:p>
@@ -3700,14 +3645,14 @@
       </p:sp>
       <p:sp>
         <p:nvSpPr>
-          <p:cNvPr id="7" name="TextBox 6"/>
+          <p:cNvPr id="8" name="TextBox 7"/>
           <p:cNvSpPr txBox="1"/>
           <p:nvPr/>
         </p:nvSpPr>
         <p:spPr>
           <a:xfrm>
-            <a:off x="0" y="5804209"/>
-            <a:ext cx="12192000" cy="830997"/>
+            <a:off x="0" y="894630"/>
+            <a:ext cx="12192000" cy="3539430"/>
           </a:xfrm>
           <a:prstGeom prst="rect">
             <a:avLst/>
@@ -3715,33 +3660,86 @@
           <a:noFill/>
         </p:spPr>
         <p:txBody>
-          <a:bodyPr wrap="square" rtlCol="0" anchor="ctr">
+          <a:bodyPr wrap="square" rtlCol="0">
             <a:spAutoFit/>
           </a:bodyPr>
-          <a:lstStyle/>
-          <a:p>
-            <a:pPr algn="ctr"/>
-            <a:r>
-              <a:rPr lang="en-US" sz="4800" dirty="0">
+          <a:lstStyle>
+            <a:defPPr>
+              <a:defRPr lang="en-US"/>
+            </a:defPPr>
+            <a:lvl1pPr algn="ctr">
+              <a:defRPr sz="2800" spc="50">
                 <a:solidFill>
                   <a:schemeClr val="bg1"/>
                 </a:solidFill>
-              </a:rPr>
-              <a:t>“Come, O Thou King of Kings!”</a:t>
-            </a:r>
-          </a:p>
-        </p:txBody>
-      </p:sp>
-      <p:sp>
-        <p:nvSpPr>
-          <p:cNvPr id="8" name="TextBox 7"/>
+                <a:latin typeface="Assistant" panose="00000500000000000000" pitchFamily="2" charset="-79"/>
+                <a:cs typeface="Assistant" panose="00000500000000000000" pitchFamily="2" charset="-79"/>
+              </a:defRPr>
+            </a:lvl1pPr>
+          </a:lstStyle>
+          <a:p>
+            <a:r>
+              <a:rPr lang="en-US" dirty="0"/>
+              <a:t>Hail!  Prince of life and peace!</a:t>
+            </a:r>
+          </a:p>
+          <a:p>
+            <a:r>
+              <a:rPr lang="en-US" dirty="0"/>
+              <a:t>Thrice welcome to Thy throne!</a:t>
+            </a:r>
+          </a:p>
+          <a:p>
+            <a:r>
+              <a:rPr lang="en-US" dirty="0"/>
+              <a:t>While all the chosen race</a:t>
+            </a:r>
+          </a:p>
+          <a:p>
+            <a:r>
+              <a:rPr lang="en-US" dirty="0"/>
+              <a:t>Their Lord and Savior own.</a:t>
+            </a:r>
+          </a:p>
+          <a:p>
+            <a:endParaRPr lang="en-US" dirty="0"/>
+          </a:p>
+          <a:p>
+            <a:r>
+              <a:rPr lang="en-US" dirty="0"/>
+              <a:t>The heathen nations bow the knee;</a:t>
+            </a:r>
+          </a:p>
+          <a:p>
+            <a:r>
+              <a:rPr lang="en-US" dirty="0"/>
+              <a:t>The heathen nations bow the knee;</a:t>
+            </a:r>
+          </a:p>
+          <a:p>
+            <a:r>
+              <a:rPr lang="en-US" dirty="0"/>
+              <a:t>And every tongue gives praise to Thee!</a:t>
+            </a:r>
+          </a:p>
+        </p:txBody>
+      </p:sp>
+      <p:sp>
+        <p:nvSpPr>
+          <p:cNvPr id="5" name="TextBox 4">
+            <a:extLst>
+              <a:ext uri="{FF2B5EF4-FFF2-40B4-BE49-F238E27FC236}">
+                <a16:creationId xmlns:a16="http://schemas.microsoft.com/office/drawing/2014/main" id="{05FD9DF0-4EF8-4E85-B7AB-0ACCDE1B0435}"/>
+              </a:ext>
+            </a:extLst>
+          </p:cNvPr>
           <p:cNvSpPr txBox="1"/>
           <p:nvPr/>
         </p:nvSpPr>
         <p:spPr>
           <a:xfrm>
-            <a:off x="0" y="483150"/>
-            <a:ext cx="12192000" cy="4524315"/>
+            <a:off x="0" y="5927320"/>
+            <a:ext cx="12192000" cy="584775"/>
           </a:xfrm>
           <a:prstGeom prst="rect">
             <a:avLst/>
@@ -3749,93 +3747,27 @@
           <a:noFill/>
         </p:spPr>
         <p:txBody>
-          <a:bodyPr wrap="square" rtlCol="0">
+          <a:bodyPr wrap="square" rtlCol="0" anchor="ctr">
             <a:spAutoFit/>
           </a:bodyPr>
-          <a:lstStyle/>
-          <a:p>
-            <a:pPr algn="ctr"/>
-            <a:r>
-              <a:rPr lang="en-US" sz="3600" dirty="0">
+          <a:lstStyle>
+            <a:defPPr>
+              <a:defRPr lang="en-US"/>
+            </a:defPPr>
+            <a:lvl1pPr algn="ctr">
+              <a:defRPr sz="3200" u="sng">
                 <a:solidFill>
                   <a:schemeClr val="bg1"/>
                 </a:solidFill>
-              </a:rPr>
-              <a:t>Hail!  Prince of life and peace!</a:t>
-            </a:r>
-          </a:p>
-          <a:p>
-            <a:pPr algn="ctr"/>
-            <a:r>
-              <a:rPr lang="en-US" sz="3600" dirty="0">
-                <a:solidFill>
-                  <a:schemeClr val="bg1"/>
-                </a:solidFill>
-              </a:rPr>
-              <a:t>Thrice welcome to Thy throne!</a:t>
-            </a:r>
-          </a:p>
-          <a:p>
-            <a:pPr algn="ctr"/>
-            <a:r>
-              <a:rPr lang="en-US" sz="3600" dirty="0">
-                <a:solidFill>
-                  <a:schemeClr val="bg1"/>
-                </a:solidFill>
-              </a:rPr>
-              <a:t>While all the chosen race</a:t>
-            </a:r>
-          </a:p>
-          <a:p>
-            <a:pPr algn="ctr"/>
-            <a:r>
-              <a:rPr lang="en-US" sz="3600" dirty="0">
-                <a:solidFill>
-                  <a:schemeClr val="bg1"/>
-                </a:solidFill>
-              </a:rPr>
-              <a:t>Their Lord and Savior own.</a:t>
-            </a:r>
-          </a:p>
-          <a:p>
-            <a:pPr algn="ctr"/>
-            <a:endParaRPr lang="en-US" sz="3600" dirty="0">
-              <a:solidFill>
-                <a:schemeClr val="bg1"/>
-              </a:solidFill>
-            </a:endParaRPr>
-          </a:p>
-          <a:p>
-            <a:pPr algn="ctr"/>
-            <a:r>
-              <a:rPr lang="en-US" sz="3600" dirty="0">
-                <a:solidFill>
-                  <a:schemeClr val="bg1"/>
-                </a:solidFill>
-              </a:rPr>
-              <a:t>The heathen nations bow the knee;</a:t>
-            </a:r>
-          </a:p>
-          <a:p>
-            <a:pPr algn="ctr"/>
-            <a:r>
-              <a:rPr lang="en-US" sz="3600" dirty="0">
-                <a:solidFill>
-                  <a:schemeClr val="bg1"/>
-                </a:solidFill>
-              </a:rPr>
-              <a:t>The heathen nations bow the knee;</a:t>
-            </a:r>
-          </a:p>
-          <a:p>
-            <a:pPr algn="ctr"/>
-            <a:r>
-              <a:rPr lang="en-US" sz="3600" dirty="0">
-                <a:solidFill>
-                  <a:schemeClr val="bg1"/>
-                </a:solidFill>
-              </a:rPr>
-              <a:t>And every tongue gives praise to Thee!</a:t>
+                <a:latin typeface="Assistant SemiBold" panose="00000700000000000000" pitchFamily="2" charset="-79"/>
+                <a:cs typeface="Assistant SemiBold" panose="00000700000000000000" pitchFamily="2" charset="-79"/>
+              </a:defRPr>
+            </a:lvl1pPr>
+          </a:lstStyle>
+          <a:p>
+            <a:r>
+              <a:rPr lang="en-US" dirty="0"/>
+              <a:t>“Come, O Thou King of Kings!”</a:t>
             </a:r>
           </a:p>
         </p:txBody>
